--- a/Проект Check Your Time.pptx
+++ b/Проект Check Your Time.pptx
@@ -11,6 +11,8 @@
     <p:sldId id="259" r:id="rId5"/>
     <p:sldId id="260" r:id="rId6"/>
     <p:sldId id="261" r:id="rId7"/>
+    <p:sldId id="264" r:id="rId8"/>
+    <p:sldId id="263" r:id="rId9"/>
   </p:sldIdLst>
   <p:sldSz cx="12192000" cy="6858000"/>
   <p:notesSz cx="6858000" cy="9144000"/>
@@ -109,6 +111,11 @@
       </a:defRPr>
     </a:lvl9pPr>
   </p:defaultTextStyle>
+  <p:extLst>
+    <p:ext uri="{EFAFB233-063F-42B5-8137-9DF3F51BA10A}">
+      <p15:sldGuideLst xmlns:p15="http://schemas.microsoft.com/office/powerpoint/2012/main"/>
+    </p:ext>
+  </p:extLst>
 </p:presentation>
 </file>
 
@@ -259,7 +266,7 @@
           <a:p>
             <a:fld id="{931BF9CF-5685-470D-B0CB-EA019AAC4989}" type="datetimeFigureOut">
               <a:rPr lang="ru-RU" smtClean="0"/>
-              <a:t>10.11.2024</a:t>
+              <a:t>23.11.2024</a:t>
             </a:fld>
             <a:endParaRPr lang="ru-RU"/>
           </a:p>
@@ -457,7 +464,7 @@
           <a:p>
             <a:fld id="{931BF9CF-5685-470D-B0CB-EA019AAC4989}" type="datetimeFigureOut">
               <a:rPr lang="ru-RU" smtClean="0"/>
-              <a:t>10.11.2024</a:t>
+              <a:t>23.11.2024</a:t>
             </a:fld>
             <a:endParaRPr lang="ru-RU"/>
           </a:p>
@@ -665,7 +672,7 @@
           <a:p>
             <a:fld id="{931BF9CF-5685-470D-B0CB-EA019AAC4989}" type="datetimeFigureOut">
               <a:rPr lang="ru-RU" smtClean="0"/>
-              <a:t>10.11.2024</a:t>
+              <a:t>23.11.2024</a:t>
             </a:fld>
             <a:endParaRPr lang="ru-RU"/>
           </a:p>
@@ -863,7 +870,7 @@
           <a:p>
             <a:fld id="{931BF9CF-5685-470D-B0CB-EA019AAC4989}" type="datetimeFigureOut">
               <a:rPr lang="ru-RU" smtClean="0"/>
-              <a:t>10.11.2024</a:t>
+              <a:t>23.11.2024</a:t>
             </a:fld>
             <a:endParaRPr lang="ru-RU"/>
           </a:p>
@@ -1138,7 +1145,7 @@
           <a:p>
             <a:fld id="{931BF9CF-5685-470D-B0CB-EA019AAC4989}" type="datetimeFigureOut">
               <a:rPr lang="ru-RU" smtClean="0"/>
-              <a:t>10.11.2024</a:t>
+              <a:t>23.11.2024</a:t>
             </a:fld>
             <a:endParaRPr lang="ru-RU"/>
           </a:p>
@@ -1403,7 +1410,7 @@
           <a:p>
             <a:fld id="{931BF9CF-5685-470D-B0CB-EA019AAC4989}" type="datetimeFigureOut">
               <a:rPr lang="ru-RU" smtClean="0"/>
-              <a:t>10.11.2024</a:t>
+              <a:t>23.11.2024</a:t>
             </a:fld>
             <a:endParaRPr lang="ru-RU"/>
           </a:p>
@@ -1815,7 +1822,7 @@
           <a:p>
             <a:fld id="{931BF9CF-5685-470D-B0CB-EA019AAC4989}" type="datetimeFigureOut">
               <a:rPr lang="ru-RU" smtClean="0"/>
-              <a:t>10.11.2024</a:t>
+              <a:t>23.11.2024</a:t>
             </a:fld>
             <a:endParaRPr lang="ru-RU"/>
           </a:p>
@@ -1956,7 +1963,7 @@
           <a:p>
             <a:fld id="{931BF9CF-5685-470D-B0CB-EA019AAC4989}" type="datetimeFigureOut">
               <a:rPr lang="ru-RU" smtClean="0"/>
-              <a:t>10.11.2024</a:t>
+              <a:t>23.11.2024</a:t>
             </a:fld>
             <a:endParaRPr lang="ru-RU"/>
           </a:p>
@@ -2069,7 +2076,7 @@
           <a:p>
             <a:fld id="{931BF9CF-5685-470D-B0CB-EA019AAC4989}" type="datetimeFigureOut">
               <a:rPr lang="ru-RU" smtClean="0"/>
-              <a:t>10.11.2024</a:t>
+              <a:t>23.11.2024</a:t>
             </a:fld>
             <a:endParaRPr lang="ru-RU"/>
           </a:p>
@@ -2380,7 +2387,7 @@
           <a:p>
             <a:fld id="{931BF9CF-5685-470D-B0CB-EA019AAC4989}" type="datetimeFigureOut">
               <a:rPr lang="ru-RU" smtClean="0"/>
-              <a:t>10.11.2024</a:t>
+              <a:t>23.11.2024</a:t>
             </a:fld>
             <a:endParaRPr lang="ru-RU"/>
           </a:p>
@@ -2668,7 +2675,7 @@
           <a:p>
             <a:fld id="{931BF9CF-5685-470D-B0CB-EA019AAC4989}" type="datetimeFigureOut">
               <a:rPr lang="ru-RU" smtClean="0"/>
-              <a:t>10.11.2024</a:t>
+              <a:t>23.11.2024</a:t>
             </a:fld>
             <a:endParaRPr lang="ru-RU"/>
           </a:p>
@@ -2909,7 +2916,7 @@
           <a:p>
             <a:fld id="{931BF9CF-5685-470D-B0CB-EA019AAC4989}" type="datetimeFigureOut">
               <a:rPr lang="ru-RU" smtClean="0"/>
-              <a:t>10.11.2024</a:t>
+              <a:t>23.11.2024</a:t>
             </a:fld>
             <a:endParaRPr lang="ru-RU"/>
           </a:p>
@@ -3408,6 +3415,22 @@
               </a:rPr>
               <a:t>Кондрашова Анна</a:t>
             </a:r>
+            <a:r>
+              <a:rPr lang="en-US" dirty="0">
+                <a:solidFill>
+                  <a:schemeClr val="bg1"/>
+                </a:solidFill>
+              </a:rPr>
+              <a:t> </a:t>
+            </a:r>
+            <a:r>
+              <a:rPr lang="ru-RU" dirty="0">
+                <a:solidFill>
+                  <a:schemeClr val="bg1"/>
+                </a:solidFill>
+              </a:rPr>
+              <a:t>Игоревна</a:t>
+            </a:r>
           </a:p>
         </p:txBody>
       </p:sp>
@@ -3511,7 +3534,30 @@
                   <a:schemeClr val="bg1"/>
                 </a:solidFill>
               </a:rPr>
-              <a:t>Программа-трекер с графическим интерфейсом для ПК, с помощью которой можно получить представление о том, на что уходит время в течение дня/недели.</a:t>
+              <a:t>Учёные доказали, что прежде чем распределять своё время на новые задачи, нужно определить, на что уходит время без этих задач, ведь и так часто возникает ощущение, что времени катастрофически мало.</a:t>
+            </a:r>
+          </a:p>
+          <a:p>
+            <a:pPr marL="0" indent="0">
+              <a:buNone/>
+            </a:pPr>
+            <a:endParaRPr lang="ru-RU" dirty="0">
+              <a:solidFill>
+                <a:schemeClr val="bg1"/>
+              </a:solidFill>
+            </a:endParaRPr>
+          </a:p>
+          <a:p>
+            <a:pPr marL="0" indent="0">
+              <a:buNone/>
+            </a:pPr>
+            <a:r>
+              <a:rPr lang="ru-RU" dirty="0">
+                <a:solidFill>
+                  <a:schemeClr val="bg1"/>
+                </a:solidFill>
+              </a:rPr>
+              <a:t>В этом может помочь моя программа-трекер для ПК с графическим интерфейсом, с помощью которой можно получить представление о том, на что уходит время в течение дня/недели.</a:t>
             </a:r>
           </a:p>
         </p:txBody>
@@ -3659,6 +3705,26 @@
                 </a:solidFill>
               </a:rPr>
               <a:t>sys</a:t>
+            </a:r>
+          </a:p>
+          <a:p>
+            <a:r>
+              <a:rPr lang="en-US" dirty="0">
+                <a:solidFill>
+                  <a:schemeClr val="bg1"/>
+                </a:solidFill>
+              </a:rPr>
+              <a:t>threading</a:t>
+            </a:r>
+          </a:p>
+          <a:p>
+            <a:r>
+              <a:rPr lang="en-US" dirty="0">
+                <a:solidFill>
+                  <a:schemeClr val="bg1"/>
+                </a:solidFill>
+              </a:rPr>
+              <a:t>time</a:t>
             </a:r>
             <a:endParaRPr lang="ru-RU" dirty="0">
               <a:solidFill>
@@ -3969,16 +4035,55 @@
           <a:bodyPr/>
           <a:lstStyle/>
           <a:p>
-            <a:pPr marL="0" indent="0">
-              <a:buNone/>
-            </a:pPr>
             <a:r>
               <a:rPr lang="ru-RU" dirty="0">
                 <a:solidFill>
                   <a:schemeClr val="bg1"/>
                 </a:solidFill>
               </a:rPr>
-              <a:t>Учёт времени с помощью</a:t>
+              <a:t>Для секундомера была использована технология многопоточности.</a:t>
+            </a:r>
+          </a:p>
+          <a:p>
+            <a:r>
+              <a:rPr lang="ru-RU" dirty="0">
+                <a:solidFill>
+                  <a:schemeClr val="bg1"/>
+                </a:solidFill>
+              </a:rPr>
+              <a:t>Стандартная функция </a:t>
+            </a:r>
+            <a:r>
+              <a:rPr lang="en-US" dirty="0" err="1">
+                <a:solidFill>
+                  <a:schemeClr val="bg1"/>
+                </a:solidFill>
+              </a:rPr>
+              <a:t>sqlite</a:t>
+            </a:r>
+            <a:r>
+              <a:rPr lang="en-US" dirty="0">
+                <a:solidFill>
+                  <a:schemeClr val="bg1"/>
+                </a:solidFill>
+              </a:rPr>
+              <a:t> “LOWER” </a:t>
+            </a:r>
+            <a:r>
+              <a:rPr lang="ru-RU" dirty="0">
+                <a:solidFill>
+                  <a:schemeClr val="bg1"/>
+                </a:solidFill>
+              </a:rPr>
+              <a:t>некорректно работает с кириллицей. Для преодоления этой проблемы бала создана новая функция для </a:t>
+            </a:r>
+            <a:r>
+              <a:rPr lang="en-US" dirty="0" err="1">
+                <a:solidFill>
+                  <a:schemeClr val="bg1"/>
+                </a:solidFill>
+              </a:rPr>
+              <a:t>sqlite</a:t>
             </a:r>
             <a:r>
               <a:rPr lang="en-US" dirty="0">
@@ -3989,12 +4094,20 @@
               <a:t> </a:t>
             </a:r>
             <a:r>
+              <a:rPr lang="ru-RU" dirty="0">
+                <a:solidFill>
+                  <a:schemeClr val="bg1"/>
+                </a:solidFill>
+              </a:rPr>
+              <a:t>методом </a:t>
+            </a:r>
+            <a:r>
               <a:rPr lang="en-US" dirty="0" err="1">
                 <a:solidFill>
                   <a:schemeClr val="bg1"/>
                 </a:solidFill>
               </a:rPr>
-              <a:t>unixtime</a:t>
+              <a:t>create_function</a:t>
             </a:r>
             <a:r>
               <a:rPr lang="en-US" dirty="0">
@@ -4002,15 +4115,17 @@
                   <a:schemeClr val="bg1"/>
                 </a:solidFill>
               </a:rPr>
-              <a:t> </a:t>
-            </a:r>
+              <a:t>()</a:t>
+            </a:r>
+          </a:p>
+          <a:p>
             <a:r>
               <a:rPr lang="ru-RU" dirty="0">
                 <a:solidFill>
                   <a:schemeClr val="bg1"/>
                 </a:solidFill>
               </a:rPr>
-              <a:t>и возможностей библиотеки </a:t>
+              <a:t>Для корректной работы всех потоков были созданы собственные сигналы</a:t>
             </a:r>
             <a:r>
               <a:rPr lang="en-US" dirty="0">
@@ -4018,7 +4133,7 @@
                   <a:schemeClr val="bg1"/>
                 </a:solidFill>
               </a:rPr>
-              <a:t>datetime	</a:t>
+              <a:t>.</a:t>
             </a:r>
             <a:endParaRPr lang="ru-RU" dirty="0">
               <a:solidFill>
@@ -4030,10 +4145,10 @@
       </p:sp>
       <p:pic>
         <p:nvPicPr>
-          <p:cNvPr id="7" name="Рисунок 6">
-            <a:extLst>
-              <a:ext uri="{FF2B5EF4-FFF2-40B4-BE49-F238E27FC236}">
-                <a16:creationId xmlns:a16="http://schemas.microsoft.com/office/drawing/2014/main" id="{347AB1E8-9845-A09D-763F-BE16D48DF994}"/>
+          <p:cNvPr id="5" name="Рисунок 4">
+            <a:extLst>
+              <a:ext uri="{FF2B5EF4-FFF2-40B4-BE49-F238E27FC236}">
+                <a16:creationId xmlns:a16="http://schemas.microsoft.com/office/drawing/2014/main" id="{82CBC9E2-8CA0-2C94-A879-0D09911DF7B6}"/>
               </a:ext>
             </a:extLst>
           </p:cNvPr>
@@ -4044,13 +4159,13 @@
         </p:nvPicPr>
         <p:blipFill>
           <a:blip r:embed="rId2"/>
-          <a:srcRect l="34172" t="25540" r="29859" b="64601"/>
+          <a:srcRect l="27390" t="38309" r="24896" b="52019"/>
           <a:stretch/>
         </p:blipFill>
         <p:spPr>
           <a:xfrm>
-            <a:off x="838200" y="3215682"/>
-            <a:ext cx="10190505" cy="1571223"/>
+            <a:off x="32198" y="5178848"/>
+            <a:ext cx="12159802" cy="1133051"/>
           </a:xfrm>
           <a:prstGeom prst="rect">
             <a:avLst/>
@@ -4184,6 +4299,108 @@
               </a:rPr>
               <a:t>datetime</a:t>
             </a:r>
+            <a:endParaRPr lang="en-US" dirty="0">
+              <a:solidFill>
+                <a:schemeClr val="bg1"/>
+              </a:solidFill>
+            </a:endParaRPr>
+          </a:p>
+          <a:p>
+            <a:r>
+              <a:rPr lang="ru-RU" dirty="0">
+                <a:solidFill>
+                  <a:schemeClr val="bg1"/>
+                </a:solidFill>
+              </a:rPr>
+              <a:t>Статьи по многозадачности</a:t>
+            </a:r>
+          </a:p>
+        </p:txBody>
+      </p:sp>
+    </p:spTree>
+    <p:extLst>
+      <p:ext uri="{BB962C8B-B14F-4D97-AF65-F5344CB8AC3E}">
+        <p14:creationId xmlns:p14="http://schemas.microsoft.com/office/powerpoint/2010/main" val="3932826716"/>
+      </p:ext>
+    </p:extLst>
+  </p:cSld>
+  <p:clrMapOvr>
+    <a:masterClrMapping/>
+  </p:clrMapOvr>
+</p:sld>
+</file>
+
+<file path=ppt/slides/slide7.xml><?xml version="1.0" encoding="utf-8"?>
+<p:sld xmlns:a="http://schemas.openxmlformats.org/drawingml/2006/main" xmlns:r="http://schemas.openxmlformats.org/officeDocument/2006/relationships" xmlns:p="http://schemas.openxmlformats.org/presentationml/2006/main">
+  <p:cSld>
+    <p:bg>
+      <p:bgPr>
+        <a:solidFill>
+          <a:srgbClr val="1E1F22"/>
+        </a:solidFill>
+        <a:effectLst/>
+      </p:bgPr>
+    </p:bg>
+    <p:spTree>
+      <p:nvGrpSpPr>
+        <p:cNvPr id="1" name="">
+          <a:extLst>
+            <a:ext uri="{FF2B5EF4-FFF2-40B4-BE49-F238E27FC236}">
+              <a16:creationId xmlns:a16="http://schemas.microsoft.com/office/drawing/2014/main" id="{4D670358-0073-5EA6-2CEF-7A2F12DB1BF0}"/>
+            </a:ext>
+          </a:extLst>
+        </p:cNvPr>
+        <p:cNvGrpSpPr/>
+        <p:nvPr/>
+      </p:nvGrpSpPr>
+      <p:grpSpPr>
+        <a:xfrm>
+          <a:off x="0" y="0"/>
+          <a:ext cx="0" cy="0"/>
+          <a:chOff x="0" y="0"/>
+          <a:chExt cx="0" cy="0"/>
+        </a:xfrm>
+      </p:grpSpPr>
+      <p:sp>
+        <p:nvSpPr>
+          <p:cNvPr id="2" name="Заголовок 1">
+            <a:extLst>
+              <a:ext uri="{FF2B5EF4-FFF2-40B4-BE49-F238E27FC236}">
+                <a16:creationId xmlns:a16="http://schemas.microsoft.com/office/drawing/2014/main" id="{5FFD4912-C2B9-81D9-BB71-DBA20269384E}"/>
+              </a:ext>
+            </a:extLst>
+          </p:cNvPr>
+          <p:cNvSpPr>
+            <a:spLocks noGrp="1"/>
+          </p:cNvSpPr>
+          <p:nvPr>
+            <p:ph type="title"/>
+          </p:nvPr>
+        </p:nvSpPr>
+        <p:spPr/>
+        <p:txBody>
+          <a:bodyPr/>
+          <a:lstStyle/>
+          <a:p>
+            <a:r>
+              <a:rPr lang="ru-RU" dirty="0">
+                <a:solidFill>
+                  <a:schemeClr val="bg1"/>
+                </a:solidFill>
+                <a:latin typeface="YS Text"/>
+              </a:rPr>
+              <a:t>В</a:t>
+            </a:r>
+            <a:r>
+              <a:rPr lang="ru-RU" b="0" i="0" dirty="0">
+                <a:solidFill>
+                  <a:schemeClr val="bg1"/>
+                </a:solidFill>
+                <a:effectLst/>
+                <a:latin typeface="YS Text"/>
+              </a:rPr>
+              <a:t>озможности для доработки и развития</a:t>
+            </a:r>
             <a:endParaRPr lang="ru-RU" dirty="0">
               <a:solidFill>
                 <a:schemeClr val="bg1"/>
@@ -4192,10 +4409,126 @@
           </a:p>
         </p:txBody>
       </p:sp>
+      <p:sp>
+        <p:nvSpPr>
+          <p:cNvPr id="3" name="Объект 2">
+            <a:extLst>
+              <a:ext uri="{FF2B5EF4-FFF2-40B4-BE49-F238E27FC236}">
+                <a16:creationId xmlns:a16="http://schemas.microsoft.com/office/drawing/2014/main" id="{D3F61967-9548-3630-405D-4775ADBFA4D5}"/>
+              </a:ext>
+            </a:extLst>
+          </p:cNvPr>
+          <p:cNvSpPr>
+            <a:spLocks noGrp="1"/>
+          </p:cNvSpPr>
+          <p:nvPr>
+            <p:ph idx="1"/>
+          </p:nvPr>
+        </p:nvSpPr>
+        <p:spPr/>
+        <p:txBody>
+          <a:bodyPr/>
+          <a:lstStyle/>
+          <a:p>
+            <a:pPr marL="0" indent="0">
+              <a:buNone/>
+            </a:pPr>
+            <a:r>
+              <a:rPr lang="ru-RU" dirty="0">
+                <a:solidFill>
+                  <a:schemeClr val="bg1"/>
+                </a:solidFill>
+              </a:rPr>
+              <a:t>В будущем возможна доработка графического интерфейса и оптимизация многозадачности.</a:t>
+            </a:r>
+          </a:p>
+        </p:txBody>
+      </p:sp>
     </p:spTree>
     <p:extLst>
       <p:ext uri="{BB962C8B-B14F-4D97-AF65-F5344CB8AC3E}">
-        <p14:creationId xmlns:p14="http://schemas.microsoft.com/office/powerpoint/2010/main" val="3932826716"/>
+        <p14:creationId xmlns:p14="http://schemas.microsoft.com/office/powerpoint/2010/main" val="1068080622"/>
+      </p:ext>
+    </p:extLst>
+  </p:cSld>
+  <p:clrMapOvr>
+    <a:masterClrMapping/>
+  </p:clrMapOvr>
+</p:sld>
+</file>
+
+<file path=ppt/slides/slide8.xml><?xml version="1.0" encoding="utf-8"?>
+<p:sld xmlns:a="http://schemas.openxmlformats.org/drawingml/2006/main" xmlns:r="http://schemas.openxmlformats.org/officeDocument/2006/relationships" xmlns:p="http://schemas.openxmlformats.org/presentationml/2006/main">
+  <p:cSld>
+    <p:bg>
+      <p:bgPr>
+        <a:solidFill>
+          <a:srgbClr val="1E1F22"/>
+        </a:solidFill>
+        <a:effectLst/>
+      </p:bgPr>
+    </p:bg>
+    <p:spTree>
+      <p:nvGrpSpPr>
+        <p:cNvPr id="1" name="">
+          <a:extLst>
+            <a:ext uri="{FF2B5EF4-FFF2-40B4-BE49-F238E27FC236}">
+              <a16:creationId xmlns:a16="http://schemas.microsoft.com/office/drawing/2014/main" id="{4C889338-A021-385D-2FCB-66F93954AABE}"/>
+            </a:ext>
+          </a:extLst>
+        </p:cNvPr>
+        <p:cNvGrpSpPr/>
+        <p:nvPr/>
+      </p:nvGrpSpPr>
+      <p:grpSpPr>
+        <a:xfrm>
+          <a:off x="0" y="0"/>
+          <a:ext cx="0" cy="0"/>
+          <a:chOff x="0" y="0"/>
+          <a:chExt cx="0" cy="0"/>
+        </a:xfrm>
+      </p:grpSpPr>
+      <p:sp>
+        <p:nvSpPr>
+          <p:cNvPr id="2" name="Заголовок 1">
+            <a:extLst>
+              <a:ext uri="{FF2B5EF4-FFF2-40B4-BE49-F238E27FC236}">
+                <a16:creationId xmlns:a16="http://schemas.microsoft.com/office/drawing/2014/main" id="{C678A8A3-F201-AE8B-5F03-A4FFEB2C13BA}"/>
+              </a:ext>
+            </a:extLst>
+          </p:cNvPr>
+          <p:cNvSpPr>
+            <a:spLocks noGrp="1"/>
+          </p:cNvSpPr>
+          <p:nvPr>
+            <p:ph type="title"/>
+          </p:nvPr>
+        </p:nvSpPr>
+        <p:spPr>
+          <a:xfrm>
+            <a:off x="3073221" y="2560974"/>
+            <a:ext cx="6045558" cy="1325563"/>
+          </a:xfrm>
+        </p:spPr>
+        <p:txBody>
+          <a:bodyPr/>
+          <a:lstStyle/>
+          <a:p>
+            <a:r>
+              <a:rPr lang="ru-RU" dirty="0">
+                <a:solidFill>
+                  <a:schemeClr val="bg1"/>
+                </a:solidFill>
+              </a:rPr>
+              <a:t>Спасибо за внимание</a:t>
+            </a:r>
+          </a:p>
+        </p:txBody>
+      </p:sp>
+    </p:spTree>
+    <p:extLst>
+      <p:ext uri="{BB962C8B-B14F-4D97-AF65-F5344CB8AC3E}">
+        <p14:creationId xmlns:p14="http://schemas.microsoft.com/office/powerpoint/2010/main" val="3852608308"/>
       </p:ext>
     </p:extLst>
   </p:cSld>
